--- a/lectures/ll5.pptx
+++ b/lectures/ll5.pptx
@@ -218,7 +218,7 @@
           <a:p>
             <a:fld id="{B7C428FF-9416-E244-85CC-CE77BFC72F37}" type="datetimeFigureOut">
               <a:rPr lang="en-US" smtClean="0"/>
-              <a:t>5/21/21</a:t>
+              <a:t>6/3/21</a:t>
             </a:fld>
             <a:endParaRPr lang="en-US"/>
           </a:p>
@@ -2606,7 +2606,7 @@
           <a:p>
             <a:fld id="{433AC57A-61FE-6142-A5A5-4D3CD7D6511B}" type="datetimeFigureOut">
               <a:rPr lang="en-US" smtClean="0"/>
-              <a:t>5/21/21</a:t>
+              <a:t>6/3/21</a:t>
             </a:fld>
             <a:endParaRPr lang="en-US"/>
           </a:p>
@@ -2804,7 +2804,7 @@
           <a:p>
             <a:fld id="{433AC57A-61FE-6142-A5A5-4D3CD7D6511B}" type="datetimeFigureOut">
               <a:rPr lang="en-US" smtClean="0"/>
-              <a:t>5/21/21</a:t>
+              <a:t>6/3/21</a:t>
             </a:fld>
             <a:endParaRPr lang="en-US"/>
           </a:p>
@@ -3012,7 +3012,7 @@
           <a:p>
             <a:fld id="{433AC57A-61FE-6142-A5A5-4D3CD7D6511B}" type="datetimeFigureOut">
               <a:rPr lang="en-US" smtClean="0"/>
-              <a:t>5/21/21</a:t>
+              <a:t>6/3/21</a:t>
             </a:fld>
             <a:endParaRPr lang="en-US"/>
           </a:p>
@@ -3210,7 +3210,7 @@
           <a:p>
             <a:fld id="{433AC57A-61FE-6142-A5A5-4D3CD7D6511B}" type="datetimeFigureOut">
               <a:rPr lang="en-US" smtClean="0"/>
-              <a:t>5/21/21</a:t>
+              <a:t>6/3/21</a:t>
             </a:fld>
             <a:endParaRPr lang="en-US"/>
           </a:p>
@@ -3485,7 +3485,7 @@
           <a:p>
             <a:fld id="{433AC57A-61FE-6142-A5A5-4D3CD7D6511B}" type="datetimeFigureOut">
               <a:rPr lang="en-US" smtClean="0"/>
-              <a:t>5/21/21</a:t>
+              <a:t>6/3/21</a:t>
             </a:fld>
             <a:endParaRPr lang="en-US"/>
           </a:p>
@@ -3750,7 +3750,7 @@
           <a:p>
             <a:fld id="{433AC57A-61FE-6142-A5A5-4D3CD7D6511B}" type="datetimeFigureOut">
               <a:rPr lang="en-US" smtClean="0"/>
-              <a:t>5/21/21</a:t>
+              <a:t>6/3/21</a:t>
             </a:fld>
             <a:endParaRPr lang="en-US"/>
           </a:p>
@@ -4162,7 +4162,7 @@
           <a:p>
             <a:fld id="{433AC57A-61FE-6142-A5A5-4D3CD7D6511B}" type="datetimeFigureOut">
               <a:rPr lang="en-US" smtClean="0"/>
-              <a:t>5/21/21</a:t>
+              <a:t>6/3/21</a:t>
             </a:fld>
             <a:endParaRPr lang="en-US"/>
           </a:p>
@@ -4303,7 +4303,7 @@
           <a:p>
             <a:fld id="{433AC57A-61FE-6142-A5A5-4D3CD7D6511B}" type="datetimeFigureOut">
               <a:rPr lang="en-US" smtClean="0"/>
-              <a:t>5/21/21</a:t>
+              <a:t>6/3/21</a:t>
             </a:fld>
             <a:endParaRPr lang="en-US"/>
           </a:p>
@@ -4416,7 +4416,7 @@
           <a:p>
             <a:fld id="{433AC57A-61FE-6142-A5A5-4D3CD7D6511B}" type="datetimeFigureOut">
               <a:rPr lang="en-US" smtClean="0"/>
-              <a:t>5/21/21</a:t>
+              <a:t>6/3/21</a:t>
             </a:fld>
             <a:endParaRPr lang="en-US"/>
           </a:p>
@@ -4727,7 +4727,7 @@
           <a:p>
             <a:fld id="{433AC57A-61FE-6142-A5A5-4D3CD7D6511B}" type="datetimeFigureOut">
               <a:rPr lang="en-US" smtClean="0"/>
-              <a:t>5/21/21</a:t>
+              <a:t>6/3/21</a:t>
             </a:fld>
             <a:endParaRPr lang="en-US"/>
           </a:p>
@@ -5015,7 +5015,7 @@
           <a:p>
             <a:fld id="{433AC57A-61FE-6142-A5A5-4D3CD7D6511B}" type="datetimeFigureOut">
               <a:rPr lang="en-US" smtClean="0"/>
-              <a:t>5/21/21</a:t>
+              <a:t>6/3/21</a:t>
             </a:fld>
             <a:endParaRPr lang="en-US"/>
           </a:p>
@@ -5256,7 +5256,7 @@
           <a:p>
             <a:fld id="{433AC57A-61FE-6142-A5A5-4D3CD7D6511B}" type="datetimeFigureOut">
               <a:rPr lang="en-US" smtClean="0"/>
-              <a:t>5/21/21</a:t>
+              <a:t>6/3/21</a:t>
             </a:fld>
             <a:endParaRPr lang="en-US"/>
           </a:p>
@@ -5826,8 +5826,8 @@
           </a:p>
         </p:txBody>
       </p:sp>
-      <mc:AlternateContent xmlns:mc="http://schemas.openxmlformats.org/markup-compatibility/2006">
-        <mc:Choice xmlns:a14="http://schemas.microsoft.com/office/drawing/2010/main" Requires="a14">
+      <mc:AlternateContent xmlns:mc="http://schemas.openxmlformats.org/markup-compatibility/2006" xmlns:a14="http://schemas.microsoft.com/office/drawing/2010/main">
+        <mc:Choice Requires="a14">
           <p:sp>
             <p:nvSpPr>
               <p:cNvPr id="33" name="TextBox 32">
@@ -6015,7 +6015,7 @@
             </p:txBody>
           </p:sp>
         </mc:Choice>
-        <mc:Fallback>
+        <mc:Fallback xmlns="">
           <p:sp>
             <p:nvSpPr>
               <p:cNvPr id="33" name="TextBox 32">
@@ -6189,8 +6189,8 @@
           </a:prstGeom>
         </p:spPr>
       </p:pic>
-      <mc:AlternateContent xmlns:mc="http://schemas.openxmlformats.org/markup-compatibility/2006">
-        <mc:Choice xmlns:a14="http://schemas.microsoft.com/office/drawing/2010/main" Requires="a14">
+      <mc:AlternateContent xmlns:mc="http://schemas.openxmlformats.org/markup-compatibility/2006" xmlns:a14="http://schemas.microsoft.com/office/drawing/2010/main">
+        <mc:Choice Requires="a14">
           <p:sp>
             <p:nvSpPr>
               <p:cNvPr id="13" name="TextBox 12">
@@ -6322,7 +6322,7 @@
             </p:txBody>
           </p:sp>
         </mc:Choice>
-        <mc:Fallback>
+        <mc:Fallback xmlns="">
           <p:sp>
             <p:nvSpPr>
               <p:cNvPr id="13" name="TextBox 12">
@@ -6367,8 +6367,8 @@
           </p:sp>
         </mc:Fallback>
       </mc:AlternateContent>
-      <mc:AlternateContent xmlns:mc="http://schemas.openxmlformats.org/markup-compatibility/2006">
-        <mc:Choice xmlns:a14="http://schemas.microsoft.com/office/drawing/2010/main" Requires="a14">
+      <mc:AlternateContent xmlns:mc="http://schemas.openxmlformats.org/markup-compatibility/2006" xmlns:a14="http://schemas.microsoft.com/office/drawing/2010/main">
+        <mc:Choice Requires="a14">
           <p:sp>
             <p:nvSpPr>
               <p:cNvPr id="14" name="TextBox 13">
@@ -6515,7 +6515,7 @@
             </p:txBody>
           </p:sp>
         </mc:Choice>
-        <mc:Fallback>
+        <mc:Fallback xmlns="">
           <p:sp>
             <p:nvSpPr>
               <p:cNvPr id="14" name="TextBox 13">
@@ -6668,8 +6668,8 @@
           </a:p>
         </p:txBody>
       </p:sp>
-      <mc:AlternateContent xmlns:mc="http://schemas.openxmlformats.org/markup-compatibility/2006">
-        <mc:Choice xmlns:a14="http://schemas.microsoft.com/office/drawing/2010/main" Requires="a14">
+      <mc:AlternateContent xmlns:mc="http://schemas.openxmlformats.org/markup-compatibility/2006" xmlns:a14="http://schemas.microsoft.com/office/drawing/2010/main">
+        <mc:Choice Requires="a14">
           <p:sp>
             <p:nvSpPr>
               <p:cNvPr id="33" name="TextBox 32">
@@ -6874,7 +6874,7 @@
             </p:txBody>
           </p:sp>
         </mc:Choice>
-        <mc:Fallback>
+        <mc:Fallback xmlns="">
           <p:sp>
             <p:nvSpPr>
               <p:cNvPr id="33" name="TextBox 32">
@@ -7048,8 +7048,8 @@
           </a:prstGeom>
         </p:spPr>
       </p:pic>
-      <mc:AlternateContent xmlns:mc="http://schemas.openxmlformats.org/markup-compatibility/2006">
-        <mc:Choice xmlns:a14="http://schemas.microsoft.com/office/drawing/2010/main" Requires="a14">
+      <mc:AlternateContent xmlns:mc="http://schemas.openxmlformats.org/markup-compatibility/2006" xmlns:a14="http://schemas.microsoft.com/office/drawing/2010/main">
+        <mc:Choice Requires="a14">
           <p:sp>
             <p:nvSpPr>
               <p:cNvPr id="13" name="TextBox 12">
@@ -7181,7 +7181,7 @@
             </p:txBody>
           </p:sp>
         </mc:Choice>
-        <mc:Fallback>
+        <mc:Fallback xmlns="">
           <p:sp>
             <p:nvSpPr>
               <p:cNvPr id="13" name="TextBox 12">
@@ -7226,8 +7226,8 @@
           </p:sp>
         </mc:Fallback>
       </mc:AlternateContent>
-      <mc:AlternateContent xmlns:mc="http://schemas.openxmlformats.org/markup-compatibility/2006">
-        <mc:Choice xmlns:a14="http://schemas.microsoft.com/office/drawing/2010/main" Requires="a14">
+      <mc:AlternateContent xmlns:mc="http://schemas.openxmlformats.org/markup-compatibility/2006" xmlns:a14="http://schemas.microsoft.com/office/drawing/2010/main">
+        <mc:Choice Requires="a14">
           <p:sp>
             <p:nvSpPr>
               <p:cNvPr id="14" name="TextBox 13">
@@ -7374,7 +7374,7 @@
             </p:txBody>
           </p:sp>
         </mc:Choice>
-        <mc:Fallback>
+        <mc:Fallback xmlns="">
           <p:sp>
             <p:nvSpPr>
               <p:cNvPr id="14" name="TextBox 13">
@@ -7519,8 +7519,8 @@
           </a:p>
         </p:txBody>
       </p:sp>
-      <mc:AlternateContent xmlns:mc="http://schemas.openxmlformats.org/markup-compatibility/2006">
-        <mc:Choice xmlns:a14="http://schemas.microsoft.com/office/drawing/2010/main" Requires="a14">
+      <mc:AlternateContent xmlns:mc="http://schemas.openxmlformats.org/markup-compatibility/2006" xmlns:a14="http://schemas.microsoft.com/office/drawing/2010/main">
+        <mc:Choice Requires="a14">
           <p:sp>
             <p:nvSpPr>
               <p:cNvPr id="6" name="TextBox 5"/>
@@ -7619,12 +7619,31 @@
                 </a:r>
                 <a14:m>
                   <m:oMath xmlns:m="http://schemas.openxmlformats.org/officeDocument/2006/math">
-                    <m:r>
-                      <a:rPr lang="en-US" sz="1600" i="1" dirty="0">
-                        <a:latin typeface="Cambria Math" panose="02040503050406030204" pitchFamily="18" charset="0"/>
-                      </a:rPr>
-                      <m:t>𝑖</m:t>
-                    </m:r>
+                    <m:sSub>
+                      <m:sSubPr>
+                        <m:ctrlPr>
+                          <a:rPr lang="en-US" sz="1600" b="0" i="1" dirty="0" smtClean="0">
+                            <a:latin typeface="Cambria Math" panose="02040503050406030204" pitchFamily="18" charset="0"/>
+                          </a:rPr>
+                        </m:ctrlPr>
+                      </m:sSubPr>
+                      <m:e>
+                        <m:r>
+                          <a:rPr lang="en-US" sz="1600" b="0" i="1" dirty="0" smtClean="0">
+                            <a:latin typeface="Cambria Math" panose="02040503050406030204" pitchFamily="18" charset="0"/>
+                          </a:rPr>
+                          <m:t>𝑦</m:t>
+                        </m:r>
+                      </m:e>
+                      <m:sub>
+                        <m:r>
+                          <a:rPr lang="en-US" sz="1600" b="0" i="1" dirty="0" smtClean="0">
+                            <a:latin typeface="Cambria Math" panose="02040503050406030204" pitchFamily="18" charset="0"/>
+                          </a:rPr>
+                          <m:t>𝑖</m:t>
+                        </m:r>
+                      </m:sub>
+                    </m:sSub>
                     <m:r>
                       <a:rPr lang="en-US" sz="1600" i="1" dirty="0">
                         <a:latin typeface="Cambria Math" panose="02040503050406030204" pitchFamily="18" charset="0"/>
@@ -7685,12 +7704,34 @@
                 </a:r>
                 <a14:m>
                   <m:oMath xmlns:m="http://schemas.openxmlformats.org/officeDocument/2006/math">
-                    <m:r>
-                      <a:rPr lang="en-US" sz="1600" i="1" dirty="0">
-                        <a:latin typeface="Cambria Math" panose="02040503050406030204" pitchFamily="18" charset="0"/>
-                      </a:rPr>
-                      <m:t>𝑖</m:t>
-                    </m:r>
+                    <m:sSub>
+                      <m:sSubPr>
+                        <m:ctrlPr>
+                          <a:rPr lang="en-US" sz="1600" b="0" i="1" dirty="0" smtClean="0">
+                            <a:latin typeface="Cambria Math" panose="02040503050406030204" pitchFamily="18" charset="0"/>
+                          </a:rPr>
+                        </m:ctrlPr>
+                      </m:sSubPr>
+                      <m:e>
+                        <m:r>
+                          <m:rPr>
+                            <m:sty m:val="p"/>
+                          </m:rPr>
+                          <a:rPr lang="en-US" sz="1600" b="0" i="0" dirty="0" smtClean="0">
+                            <a:latin typeface="Cambria Math" panose="02040503050406030204" pitchFamily="18" charset="0"/>
+                          </a:rPr>
+                          <m:t>y</m:t>
+                        </m:r>
+                      </m:e>
+                      <m:sub>
+                        <m:r>
+                          <a:rPr lang="en-US" sz="1600" b="0" i="1" dirty="0" smtClean="0">
+                            <a:latin typeface="Cambria Math" panose="02040503050406030204" pitchFamily="18" charset="0"/>
+                          </a:rPr>
+                          <m:t>𝑖</m:t>
+                        </m:r>
+                      </m:sub>
+                    </m:sSub>
                     <m:r>
                       <a:rPr lang="en-US" sz="1600" i="1" dirty="0">
                         <a:latin typeface="Cambria Math" panose="02040503050406030204" pitchFamily="18" charset="0"/>
@@ -7707,7 +7748,7 @@
             </p:txBody>
           </p:sp>
         </mc:Choice>
-        <mc:Fallback>
+        <mc:Fallback xmlns="">
           <p:sp>
             <p:nvSpPr>
               <p:cNvPr id="6" name="TextBox 5"/>
@@ -7746,8 +7787,8 @@
           </p:sp>
         </mc:Fallback>
       </mc:AlternateContent>
-      <mc:AlternateContent xmlns:mc="http://schemas.openxmlformats.org/markup-compatibility/2006">
-        <mc:Choice xmlns:a14="http://schemas.microsoft.com/office/drawing/2010/main" Requires="a14">
+      <mc:AlternateContent xmlns:mc="http://schemas.openxmlformats.org/markup-compatibility/2006" xmlns:a14="http://schemas.microsoft.com/office/drawing/2010/main">
+        <mc:Choice Requires="a14">
           <p:sp>
             <p:nvSpPr>
               <p:cNvPr id="8" name="Rectangle 7"/>
@@ -7822,7 +7863,7 @@
             </p:txBody>
           </p:sp>
         </mc:Choice>
-        <mc:Fallback>
+        <mc:Fallback xmlns="">
           <p:sp>
             <p:nvSpPr>
               <p:cNvPr id="8" name="Rectangle 7"/>
@@ -8101,12 +8142,34 @@
                 </a:r>
                 <a14:m>
                   <m:oMath xmlns:m="http://schemas.openxmlformats.org/officeDocument/2006/math">
-                    <m:r>
-                      <a:rPr lang="en-US" sz="1600" i="1" dirty="0">
-                        <a:latin typeface="Cambria Math" panose="02040503050406030204" pitchFamily="18" charset="0"/>
-                      </a:rPr>
-                      <m:t>𝑖</m:t>
-                    </m:r>
+                    <m:sSub>
+                      <m:sSubPr>
+                        <m:ctrlPr>
+                          <a:rPr lang="en-US" sz="1600" b="0" i="0" dirty="0" smtClean="0">
+                            <a:latin typeface="Cambria Math" panose="02040503050406030204" pitchFamily="18" charset="0"/>
+                          </a:rPr>
+                        </m:ctrlPr>
+                      </m:sSubPr>
+                      <m:e>
+                        <m:r>
+                          <m:rPr>
+                            <m:sty m:val="p"/>
+                          </m:rPr>
+                          <a:rPr lang="en-US" sz="1600" dirty="0">
+                            <a:latin typeface="Cambria Math" panose="02040503050406030204" pitchFamily="18" charset="0"/>
+                          </a:rPr>
+                          <m:t>y</m:t>
+                        </m:r>
+                      </m:e>
+                      <m:sub>
+                        <m:r>
+                          <a:rPr lang="en-US" sz="1600" i="1" dirty="0">
+                            <a:latin typeface="Cambria Math" panose="02040503050406030204" pitchFamily="18" charset="0"/>
+                          </a:rPr>
+                          <m:t>𝑖</m:t>
+                        </m:r>
+                      </m:sub>
+                    </m:sSub>
                     <m:r>
                       <a:rPr lang="en-US" sz="1600" i="1" dirty="0">
                         <a:latin typeface="Cambria Math" panose="02040503050406030204" pitchFamily="18" charset="0"/>
@@ -8167,12 +8230,34 @@
                 </a:r>
                 <a14:m>
                   <m:oMath xmlns:m="http://schemas.openxmlformats.org/officeDocument/2006/math">
-                    <m:r>
-                      <a:rPr lang="en-US" sz="1600" i="1" dirty="0">
-                        <a:latin typeface="Cambria Math" panose="02040503050406030204" pitchFamily="18" charset="0"/>
-                      </a:rPr>
-                      <m:t>𝑖</m:t>
-                    </m:r>
+                    <m:sSub>
+                      <m:sSubPr>
+                        <m:ctrlPr>
+                          <a:rPr lang="en-US" sz="1600" b="0" i="0" dirty="0" smtClean="0">
+                            <a:latin typeface="Cambria Math" panose="02040503050406030204" pitchFamily="18" charset="0"/>
+                          </a:rPr>
+                        </m:ctrlPr>
+                      </m:sSubPr>
+                      <m:e>
+                        <m:r>
+                          <m:rPr>
+                            <m:sty m:val="p"/>
+                          </m:rPr>
+                          <a:rPr lang="en-US" sz="1600" dirty="0">
+                            <a:latin typeface="Cambria Math" panose="02040503050406030204" pitchFamily="18" charset="0"/>
+                          </a:rPr>
+                          <m:t>y</m:t>
+                        </m:r>
+                      </m:e>
+                      <m:sub>
+                        <m:r>
+                          <a:rPr lang="en-US" sz="1600" i="1" dirty="0">
+                            <a:latin typeface="Cambria Math" panose="02040503050406030204" pitchFamily="18" charset="0"/>
+                          </a:rPr>
+                          <m:t>𝑖</m:t>
+                        </m:r>
+                      </m:sub>
+                    </m:sSub>
                     <m:r>
                       <a:rPr lang="en-US" sz="1600" i="1" dirty="0">
                         <a:latin typeface="Cambria Math" panose="02040503050406030204" pitchFamily="18" charset="0"/>
@@ -8411,8 +8496,8 @@
           </p:sp>
         </mc:Fallback>
       </mc:AlternateContent>
-      <mc:AlternateContent xmlns:mc="http://schemas.openxmlformats.org/markup-compatibility/2006">
-        <mc:Choice xmlns:a14="http://schemas.microsoft.com/office/drawing/2010/main" Requires="a14">
+      <mc:AlternateContent xmlns:mc="http://schemas.openxmlformats.org/markup-compatibility/2006" xmlns:a14="http://schemas.microsoft.com/office/drawing/2010/main">
+        <mc:Choice Requires="a14">
           <p:sp>
             <p:nvSpPr>
               <p:cNvPr id="8" name="Rectangle 7"/>
@@ -8487,7 +8572,7 @@
             </p:txBody>
           </p:sp>
         </mc:Choice>
-        <mc:Fallback>
+        <mc:Fallback xmlns="">
           <p:sp>
             <p:nvSpPr>
               <p:cNvPr id="8" name="Rectangle 7"/>
@@ -8766,12 +8851,34 @@
                 </a:r>
                 <a14:m>
                   <m:oMath xmlns:m="http://schemas.openxmlformats.org/officeDocument/2006/math">
-                    <m:r>
-                      <a:rPr lang="en-US" sz="1600" i="1" dirty="0">
-                        <a:latin typeface="Cambria Math" panose="02040503050406030204" pitchFamily="18" charset="0"/>
-                      </a:rPr>
-                      <m:t>𝑖</m:t>
-                    </m:r>
+                    <m:sSub>
+                      <m:sSubPr>
+                        <m:ctrlPr>
+                          <a:rPr lang="en-US" sz="1600" b="0" i="0" dirty="0" smtClean="0">
+                            <a:latin typeface="Cambria Math" panose="02040503050406030204" pitchFamily="18" charset="0"/>
+                          </a:rPr>
+                        </m:ctrlPr>
+                      </m:sSubPr>
+                      <m:e>
+                        <m:r>
+                          <m:rPr>
+                            <m:sty m:val="p"/>
+                          </m:rPr>
+                          <a:rPr lang="en-US" sz="1600" b="0" i="0" dirty="0" smtClean="0">
+                            <a:latin typeface="Cambria Math" panose="02040503050406030204" pitchFamily="18" charset="0"/>
+                          </a:rPr>
+                          <m:t>y</m:t>
+                        </m:r>
+                      </m:e>
+                      <m:sub>
+                        <m:r>
+                          <a:rPr lang="en-US" sz="1600" i="1" dirty="0">
+                            <a:latin typeface="Cambria Math" panose="02040503050406030204" pitchFamily="18" charset="0"/>
+                          </a:rPr>
+                          <m:t>𝑖</m:t>
+                        </m:r>
+                      </m:sub>
+                    </m:sSub>
                     <m:r>
                       <a:rPr lang="en-US" sz="1600" i="1" dirty="0">
                         <a:latin typeface="Cambria Math" panose="02040503050406030204" pitchFamily="18" charset="0"/>
@@ -8832,12 +8939,34 @@
                 </a:r>
                 <a14:m>
                   <m:oMath xmlns:m="http://schemas.openxmlformats.org/officeDocument/2006/math">
-                    <m:r>
-                      <a:rPr lang="en-US" sz="1600" i="1" dirty="0">
-                        <a:latin typeface="Cambria Math" panose="02040503050406030204" pitchFamily="18" charset="0"/>
-                      </a:rPr>
-                      <m:t>𝑖</m:t>
-                    </m:r>
+                    <m:sSub>
+                      <m:sSubPr>
+                        <m:ctrlPr>
+                          <a:rPr lang="en-US" sz="1600" b="0" i="0" dirty="0" smtClean="0">
+                            <a:latin typeface="Cambria Math" panose="02040503050406030204" pitchFamily="18" charset="0"/>
+                          </a:rPr>
+                        </m:ctrlPr>
+                      </m:sSubPr>
+                      <m:e>
+                        <m:r>
+                          <m:rPr>
+                            <m:sty m:val="p"/>
+                          </m:rPr>
+                          <a:rPr lang="en-US" sz="1600" b="0" i="0" dirty="0" smtClean="0">
+                            <a:latin typeface="Cambria Math" panose="02040503050406030204" pitchFamily="18" charset="0"/>
+                          </a:rPr>
+                          <m:t>y</m:t>
+                        </m:r>
+                      </m:e>
+                      <m:sub>
+                        <m:r>
+                          <a:rPr lang="en-US" sz="1600" i="1" dirty="0">
+                            <a:latin typeface="Cambria Math" panose="02040503050406030204" pitchFamily="18" charset="0"/>
+                          </a:rPr>
+                          <m:t>𝑖</m:t>
+                        </m:r>
+                      </m:sub>
+                    </m:sSub>
                     <m:r>
                       <a:rPr lang="en-US" sz="1600" i="1" dirty="0">
                         <a:latin typeface="Cambria Math" panose="02040503050406030204" pitchFamily="18" charset="0"/>
@@ -9043,7 +9172,6 @@
                 </a:r>
               </a:p>
               <a:p>
-                <a:pPr/>
                 <a:endParaRPr lang="en-US" sz="1600" i="1" dirty="0">
                   <a:latin typeface="Cambria Math" panose="02040503050406030204" pitchFamily="18" charset="0"/>
                 </a:endParaRPr>
@@ -9302,8 +9430,8 @@
           </p:sp>
         </mc:Fallback>
       </mc:AlternateContent>
-      <mc:AlternateContent xmlns:mc="http://schemas.openxmlformats.org/markup-compatibility/2006">
-        <mc:Choice xmlns:a14="http://schemas.microsoft.com/office/drawing/2010/main" Requires="a14">
+      <mc:AlternateContent xmlns:mc="http://schemas.openxmlformats.org/markup-compatibility/2006" xmlns:a14="http://schemas.microsoft.com/office/drawing/2010/main">
+        <mc:Choice Requires="a14">
           <p:sp>
             <p:nvSpPr>
               <p:cNvPr id="8" name="Rectangle 7"/>
@@ -9378,7 +9506,7 @@
             </p:txBody>
           </p:sp>
         </mc:Choice>
-        <mc:Fallback>
+        <mc:Fallback xmlns="">
           <p:sp>
             <p:nvSpPr>
               <p:cNvPr id="8" name="Rectangle 7"/>
@@ -9557,8 +9685,8 @@
           </a:p>
         </p:txBody>
       </p:sp>
-      <mc:AlternateContent xmlns:mc="http://schemas.openxmlformats.org/markup-compatibility/2006">
-        <mc:Choice xmlns:a14="http://schemas.microsoft.com/office/drawing/2010/main" Requires="a14">
+      <mc:AlternateContent xmlns:mc="http://schemas.openxmlformats.org/markup-compatibility/2006" xmlns:a14="http://schemas.microsoft.com/office/drawing/2010/main">
+        <mc:Choice Requires="a14">
           <p:sp>
             <p:nvSpPr>
               <p:cNvPr id="6" name="TextBox 5"/>
@@ -10151,7 +10279,7 @@
             </p:txBody>
           </p:sp>
         </mc:Choice>
-        <mc:Fallback>
+        <mc:Fallback xmlns="">
           <p:sp>
             <p:nvSpPr>
               <p:cNvPr id="6" name="TextBox 5"/>
@@ -10190,8 +10318,8 @@
           </p:sp>
         </mc:Fallback>
       </mc:AlternateContent>
-      <mc:AlternateContent xmlns:mc="http://schemas.openxmlformats.org/markup-compatibility/2006">
-        <mc:Choice xmlns:a14="http://schemas.microsoft.com/office/drawing/2010/main" Requires="a14">
+      <mc:AlternateContent xmlns:mc="http://schemas.openxmlformats.org/markup-compatibility/2006" xmlns:a14="http://schemas.microsoft.com/office/drawing/2010/main">
+        <mc:Choice Requires="a14">
           <p:sp>
             <p:nvSpPr>
               <p:cNvPr id="8" name="Rectangle 7"/>
@@ -10266,7 +10394,7 @@
             </p:txBody>
           </p:sp>
         </mc:Choice>
-        <mc:Fallback>
+        <mc:Fallback xmlns="">
           <p:sp>
             <p:nvSpPr>
               <p:cNvPr id="8" name="Rectangle 7"/>
@@ -10822,8 +10950,8 @@
           </a:p>
         </p:txBody>
       </p:sp>
-      <mc:AlternateContent xmlns:mc="http://schemas.openxmlformats.org/markup-compatibility/2006">
-        <mc:Choice xmlns:a14="http://schemas.microsoft.com/office/drawing/2010/main" Requires="a14">
+      <mc:AlternateContent xmlns:mc="http://schemas.openxmlformats.org/markup-compatibility/2006" xmlns:a14="http://schemas.microsoft.com/office/drawing/2010/main">
+        <mc:Choice Requires="a14">
           <p:sp>
             <p:nvSpPr>
               <p:cNvPr id="5" name="TextBox 4"/>
@@ -11191,7 +11319,7 @@
             </p:txBody>
           </p:sp>
         </mc:Choice>
-        <mc:Fallback>
+        <mc:Fallback xmlns="">
           <p:sp>
             <p:nvSpPr>
               <p:cNvPr id="5" name="TextBox 4"/>
@@ -11352,8 +11480,8 @@
           </a:p>
         </p:txBody>
       </p:sp>
-      <mc:AlternateContent xmlns:mc="http://schemas.openxmlformats.org/markup-compatibility/2006">
-        <mc:Choice xmlns:a14="http://schemas.microsoft.com/office/drawing/2010/main" Requires="a14">
+      <mc:AlternateContent xmlns:mc="http://schemas.openxmlformats.org/markup-compatibility/2006" xmlns:a14="http://schemas.microsoft.com/office/drawing/2010/main">
+        <mc:Choice Requires="a14">
           <p:sp>
             <p:nvSpPr>
               <p:cNvPr id="10" name="TextBox 9">
@@ -11646,7 +11774,7 @@
             </p:txBody>
           </p:sp>
         </mc:Choice>
-        <mc:Fallback>
+        <mc:Fallback xmlns="">
           <p:sp>
             <p:nvSpPr>
               <p:cNvPr id="10" name="TextBox 9">
@@ -11762,8 +11890,8 @@
           </a:p>
         </p:txBody>
       </p:sp>
-      <mc:AlternateContent xmlns:mc="http://schemas.openxmlformats.org/markup-compatibility/2006">
-        <mc:Choice xmlns:a14="http://schemas.microsoft.com/office/drawing/2010/main" Requires="a14">
+      <mc:AlternateContent xmlns:mc="http://schemas.openxmlformats.org/markup-compatibility/2006" xmlns:a14="http://schemas.microsoft.com/office/drawing/2010/main">
+        <mc:Choice Requires="a14">
           <p:sp>
             <p:nvSpPr>
               <p:cNvPr id="10" name="TextBox 9">
@@ -12056,7 +12184,7 @@
             </p:txBody>
           </p:sp>
         </mc:Choice>
-        <mc:Fallback>
+        <mc:Fallback xmlns="">
           <p:sp>
             <p:nvSpPr>
               <p:cNvPr id="10" name="TextBox 9">
@@ -12101,8 +12229,8 @@
           </p:sp>
         </mc:Fallback>
       </mc:AlternateContent>
-      <mc:AlternateContent xmlns:mc="http://schemas.openxmlformats.org/markup-compatibility/2006">
-        <mc:Choice xmlns:a14="http://schemas.microsoft.com/office/drawing/2010/main" Requires="a14">
+      <mc:AlternateContent xmlns:mc="http://schemas.openxmlformats.org/markup-compatibility/2006" xmlns:a14="http://schemas.microsoft.com/office/drawing/2010/main">
+        <mc:Choice Requires="a14">
           <p:sp>
             <p:nvSpPr>
               <p:cNvPr id="11" name="TextBox 10">
@@ -12391,7 +12519,7 @@
             </p:txBody>
           </p:sp>
         </mc:Choice>
-        <mc:Fallback>
+        <mc:Fallback xmlns="">
           <p:sp>
             <p:nvSpPr>
               <p:cNvPr id="11" name="TextBox 10">
@@ -12507,8 +12635,8 @@
           </a:p>
         </p:txBody>
       </p:sp>
-      <mc:AlternateContent xmlns:mc="http://schemas.openxmlformats.org/markup-compatibility/2006">
-        <mc:Choice xmlns:a14="http://schemas.microsoft.com/office/drawing/2010/main" Requires="a14">
+      <mc:AlternateContent xmlns:mc="http://schemas.openxmlformats.org/markup-compatibility/2006" xmlns:a14="http://schemas.microsoft.com/office/drawing/2010/main">
+        <mc:Choice Requires="a14">
           <p:sp>
             <p:nvSpPr>
               <p:cNvPr id="10" name="TextBox 9">
@@ -12801,7 +12929,7 @@
             </p:txBody>
           </p:sp>
         </mc:Choice>
-        <mc:Fallback>
+        <mc:Fallback xmlns="">
           <p:sp>
             <p:nvSpPr>
               <p:cNvPr id="10" name="TextBox 9">
@@ -12846,8 +12974,8 @@
           </p:sp>
         </mc:Fallback>
       </mc:AlternateContent>
-      <mc:AlternateContent xmlns:mc="http://schemas.openxmlformats.org/markup-compatibility/2006">
-        <mc:Choice xmlns:a14="http://schemas.microsoft.com/office/drawing/2010/main" Requires="a14">
+      <mc:AlternateContent xmlns:mc="http://schemas.openxmlformats.org/markup-compatibility/2006" xmlns:a14="http://schemas.microsoft.com/office/drawing/2010/main">
+        <mc:Choice Requires="a14">
           <p:sp>
             <p:nvSpPr>
               <p:cNvPr id="11" name="TextBox 10">
@@ -13136,7 +13264,7 @@
             </p:txBody>
           </p:sp>
         </mc:Choice>
-        <mc:Fallback>
+        <mc:Fallback xmlns="">
           <p:sp>
             <p:nvSpPr>
               <p:cNvPr id="11" name="TextBox 10">
@@ -13181,8 +13309,8 @@
           </p:sp>
         </mc:Fallback>
       </mc:AlternateContent>
-      <mc:AlternateContent xmlns:mc="http://schemas.openxmlformats.org/markup-compatibility/2006">
-        <mc:Choice xmlns:a14="http://schemas.microsoft.com/office/drawing/2010/main" Requires="a14">
+      <mc:AlternateContent xmlns:mc="http://schemas.openxmlformats.org/markup-compatibility/2006" xmlns:a14="http://schemas.microsoft.com/office/drawing/2010/main">
+        <mc:Choice Requires="a14">
           <p:sp>
             <p:nvSpPr>
               <p:cNvPr id="12" name="TextBox 11">
@@ -13477,7 +13605,7 @@
             </p:txBody>
           </p:sp>
         </mc:Choice>
-        <mc:Fallback>
+        <mc:Fallback xmlns="">
           <p:sp>
             <p:nvSpPr>
               <p:cNvPr id="12" name="TextBox 11">
@@ -13552,8 +13680,8 @@
           <a:chExt cx="0" cy="0"/>
         </a:xfrm>
       </p:grpSpPr>
-      <mc:AlternateContent xmlns:mc="http://schemas.openxmlformats.org/markup-compatibility/2006">
-        <mc:Choice xmlns:a14="http://schemas.microsoft.com/office/drawing/2010/main" Requires="a14">
+      <mc:AlternateContent xmlns:mc="http://schemas.openxmlformats.org/markup-compatibility/2006" xmlns:a14="http://schemas.microsoft.com/office/drawing/2010/main">
+        <mc:Choice Requires="a14">
           <p:sp>
             <p:nvSpPr>
               <p:cNvPr id="3" name="Content Placeholder 2"/>
@@ -13841,7 +13969,7 @@
             </p:txBody>
           </p:sp>
         </mc:Choice>
-        <mc:Fallback>
+        <mc:Fallback xmlns="">
           <p:sp>
             <p:nvSpPr>
               <p:cNvPr id="3" name="Content Placeholder 2"/>
@@ -13950,8 +14078,8 @@
           </a:p>
         </p:txBody>
       </p:sp>
-      <mc:AlternateContent xmlns:mc="http://schemas.openxmlformats.org/markup-compatibility/2006">
-        <mc:Choice xmlns:a14="http://schemas.microsoft.com/office/drawing/2010/main" Requires="a14">
+      <mc:AlternateContent xmlns:mc="http://schemas.openxmlformats.org/markup-compatibility/2006" xmlns:a14="http://schemas.microsoft.com/office/drawing/2010/main">
+        <mc:Choice Requires="a14">
           <p:sp>
             <p:nvSpPr>
               <p:cNvPr id="10" name="TextBox 9">
@@ -14244,7 +14372,7 @@
             </p:txBody>
           </p:sp>
         </mc:Choice>
-        <mc:Fallback>
+        <mc:Fallback xmlns="">
           <p:sp>
             <p:nvSpPr>
               <p:cNvPr id="10" name="TextBox 9">
@@ -14289,8 +14417,8 @@
           </p:sp>
         </mc:Fallback>
       </mc:AlternateContent>
-      <mc:AlternateContent xmlns:mc="http://schemas.openxmlformats.org/markup-compatibility/2006">
-        <mc:Choice xmlns:a14="http://schemas.microsoft.com/office/drawing/2010/main" Requires="a14">
+      <mc:AlternateContent xmlns:mc="http://schemas.openxmlformats.org/markup-compatibility/2006" xmlns:a14="http://schemas.microsoft.com/office/drawing/2010/main">
+        <mc:Choice Requires="a14">
           <p:sp>
             <p:nvSpPr>
               <p:cNvPr id="11" name="TextBox 10">
@@ -14579,7 +14707,7 @@
             </p:txBody>
           </p:sp>
         </mc:Choice>
-        <mc:Fallback>
+        <mc:Fallback xmlns="">
           <p:sp>
             <p:nvSpPr>
               <p:cNvPr id="11" name="TextBox 10">
@@ -14624,8 +14752,8 @@
           </p:sp>
         </mc:Fallback>
       </mc:AlternateContent>
-      <mc:AlternateContent xmlns:mc="http://schemas.openxmlformats.org/markup-compatibility/2006">
-        <mc:Choice xmlns:a14="http://schemas.microsoft.com/office/drawing/2010/main" Requires="a14">
+      <mc:AlternateContent xmlns:mc="http://schemas.openxmlformats.org/markup-compatibility/2006" xmlns:a14="http://schemas.microsoft.com/office/drawing/2010/main">
+        <mc:Choice Requires="a14">
           <p:sp>
             <p:nvSpPr>
               <p:cNvPr id="12" name="TextBox 11">
@@ -14920,7 +15048,7 @@
             </p:txBody>
           </p:sp>
         </mc:Choice>
-        <mc:Fallback>
+        <mc:Fallback xmlns="">
           <p:sp>
             <p:nvSpPr>
               <p:cNvPr id="12" name="TextBox 11">
@@ -15834,8 +15962,8 @@
           </a:p>
         </p:txBody>
       </p:sp>
-      <mc:AlternateContent xmlns:mc="http://schemas.openxmlformats.org/markup-compatibility/2006">
-        <mc:Choice xmlns:a14="http://schemas.microsoft.com/office/drawing/2010/main" Requires="a14">
+      <mc:AlternateContent xmlns:mc="http://schemas.openxmlformats.org/markup-compatibility/2006" xmlns:a14="http://schemas.microsoft.com/office/drawing/2010/main">
+        <mc:Choice Requires="a14">
           <p:sp>
             <p:nvSpPr>
               <p:cNvPr id="5" name="TextBox 4"/>
@@ -16203,7 +16331,7 @@
             </p:txBody>
           </p:sp>
         </mc:Choice>
-        <mc:Fallback>
+        <mc:Fallback xmlns="">
           <p:sp>
             <p:nvSpPr>
               <p:cNvPr id="5" name="TextBox 4"/>
@@ -16674,8 +16802,8 @@
           </a:prstGeom>
         </p:spPr>
       </p:pic>
-      <mc:AlternateContent xmlns:mc="http://schemas.openxmlformats.org/markup-compatibility/2006">
-        <mc:Choice xmlns:a14="http://schemas.microsoft.com/office/drawing/2010/main" Requires="a14">
+      <mc:AlternateContent xmlns:mc="http://schemas.openxmlformats.org/markup-compatibility/2006" xmlns:a14="http://schemas.microsoft.com/office/drawing/2010/main">
+        <mc:Choice Requires="a14">
           <p:sp>
             <p:nvSpPr>
               <p:cNvPr id="37" name="TextBox 36">
@@ -16807,7 +16935,7 @@
             </p:txBody>
           </p:sp>
         </mc:Choice>
-        <mc:Fallback>
+        <mc:Fallback xmlns="">
           <p:sp>
             <p:nvSpPr>
               <p:cNvPr id="37" name="TextBox 36">
@@ -16852,8 +16980,8 @@
           </p:sp>
         </mc:Fallback>
       </mc:AlternateContent>
-      <mc:AlternateContent xmlns:mc="http://schemas.openxmlformats.org/markup-compatibility/2006">
-        <mc:Choice xmlns:a14="http://schemas.microsoft.com/office/drawing/2010/main" Requires="a14">
+      <mc:AlternateContent xmlns:mc="http://schemas.openxmlformats.org/markup-compatibility/2006" xmlns:a14="http://schemas.microsoft.com/office/drawing/2010/main">
+        <mc:Choice Requires="a14">
           <p:sp>
             <p:nvSpPr>
               <p:cNvPr id="38" name="TextBox 37">
@@ -17000,7 +17128,7 @@
             </p:txBody>
           </p:sp>
         </mc:Choice>
-        <mc:Fallback>
+        <mc:Fallback xmlns="">
           <p:sp>
             <p:nvSpPr>
               <p:cNvPr id="38" name="TextBox 37">
@@ -17217,8 +17345,8 @@
           </a:p>
         </p:txBody>
       </p:sp>
-      <mc:AlternateContent xmlns:mc="http://schemas.openxmlformats.org/markup-compatibility/2006">
-        <mc:Choice xmlns:a14="http://schemas.microsoft.com/office/drawing/2010/main" Requires="a14">
+      <mc:AlternateContent xmlns:mc="http://schemas.openxmlformats.org/markup-compatibility/2006" xmlns:a14="http://schemas.microsoft.com/office/drawing/2010/main">
+        <mc:Choice Requires="a14">
           <p:sp>
             <p:nvSpPr>
               <p:cNvPr id="33" name="TextBox 32">
@@ -17406,7 +17534,7 @@
             </p:txBody>
           </p:sp>
         </mc:Choice>
-        <mc:Fallback>
+        <mc:Fallback xmlns="">
           <p:sp>
             <p:nvSpPr>
               <p:cNvPr id="33" name="TextBox 32">
@@ -17580,8 +17708,8 @@
           </a:prstGeom>
         </p:spPr>
       </p:pic>
-      <mc:AlternateContent xmlns:mc="http://schemas.openxmlformats.org/markup-compatibility/2006">
-        <mc:Choice xmlns:a14="http://schemas.microsoft.com/office/drawing/2010/main" Requires="a14">
+      <mc:AlternateContent xmlns:mc="http://schemas.openxmlformats.org/markup-compatibility/2006" xmlns:a14="http://schemas.microsoft.com/office/drawing/2010/main">
+        <mc:Choice Requires="a14">
           <p:sp>
             <p:nvSpPr>
               <p:cNvPr id="13" name="TextBox 12">
@@ -17713,7 +17841,7 @@
             </p:txBody>
           </p:sp>
         </mc:Choice>
-        <mc:Fallback>
+        <mc:Fallback xmlns="">
           <p:sp>
             <p:nvSpPr>
               <p:cNvPr id="13" name="TextBox 12">
@@ -17758,8 +17886,8 @@
           </p:sp>
         </mc:Fallback>
       </mc:AlternateContent>
-      <mc:AlternateContent xmlns:mc="http://schemas.openxmlformats.org/markup-compatibility/2006">
-        <mc:Choice xmlns:a14="http://schemas.microsoft.com/office/drawing/2010/main" Requires="a14">
+      <mc:AlternateContent xmlns:mc="http://schemas.openxmlformats.org/markup-compatibility/2006" xmlns:a14="http://schemas.microsoft.com/office/drawing/2010/main">
+        <mc:Choice Requires="a14">
           <p:sp>
             <p:nvSpPr>
               <p:cNvPr id="14" name="TextBox 13">
@@ -17906,7 +18034,7 @@
             </p:txBody>
           </p:sp>
         </mc:Choice>
-        <mc:Fallback>
+        <mc:Fallback xmlns="">
           <p:sp>
             <p:nvSpPr>
               <p:cNvPr id="14" name="TextBox 13">
@@ -18059,8 +18187,8 @@
           </a:p>
         </p:txBody>
       </p:sp>
-      <mc:AlternateContent xmlns:mc="http://schemas.openxmlformats.org/markup-compatibility/2006">
-        <mc:Choice xmlns:a14="http://schemas.microsoft.com/office/drawing/2010/main" Requires="a14">
+      <mc:AlternateContent xmlns:mc="http://schemas.openxmlformats.org/markup-compatibility/2006" xmlns:a14="http://schemas.microsoft.com/office/drawing/2010/main">
+        <mc:Choice Requires="a14">
           <p:sp>
             <p:nvSpPr>
               <p:cNvPr id="33" name="TextBox 32">
@@ -18248,7 +18376,7 @@
             </p:txBody>
           </p:sp>
         </mc:Choice>
-        <mc:Fallback>
+        <mc:Fallback xmlns="">
           <p:sp>
             <p:nvSpPr>
               <p:cNvPr id="33" name="TextBox 32">
@@ -18422,8 +18550,8 @@
           </a:prstGeom>
         </p:spPr>
       </p:pic>
-      <mc:AlternateContent xmlns:mc="http://schemas.openxmlformats.org/markup-compatibility/2006">
-        <mc:Choice xmlns:a14="http://schemas.microsoft.com/office/drawing/2010/main" Requires="a14">
+      <mc:AlternateContent xmlns:mc="http://schemas.openxmlformats.org/markup-compatibility/2006" xmlns:a14="http://schemas.microsoft.com/office/drawing/2010/main">
+        <mc:Choice Requires="a14">
           <p:sp>
             <p:nvSpPr>
               <p:cNvPr id="13" name="TextBox 12">
@@ -18555,7 +18683,7 @@
             </p:txBody>
           </p:sp>
         </mc:Choice>
-        <mc:Fallback>
+        <mc:Fallback xmlns="">
           <p:sp>
             <p:nvSpPr>
               <p:cNvPr id="13" name="TextBox 12">
@@ -18600,8 +18728,8 @@
           </p:sp>
         </mc:Fallback>
       </mc:AlternateContent>
-      <mc:AlternateContent xmlns:mc="http://schemas.openxmlformats.org/markup-compatibility/2006">
-        <mc:Choice xmlns:a14="http://schemas.microsoft.com/office/drawing/2010/main" Requires="a14">
+      <mc:AlternateContent xmlns:mc="http://schemas.openxmlformats.org/markup-compatibility/2006" xmlns:a14="http://schemas.microsoft.com/office/drawing/2010/main">
+        <mc:Choice Requires="a14">
           <p:sp>
             <p:nvSpPr>
               <p:cNvPr id="14" name="TextBox 13">
@@ -18748,7 +18876,7 @@
             </p:txBody>
           </p:sp>
         </mc:Choice>
-        <mc:Fallback>
+        <mc:Fallback xmlns="">
           <p:sp>
             <p:nvSpPr>
               <p:cNvPr id="14" name="TextBox 13">
@@ -18901,8 +19029,8 @@
           </a:p>
         </p:txBody>
       </p:sp>
-      <mc:AlternateContent xmlns:mc="http://schemas.openxmlformats.org/markup-compatibility/2006">
-        <mc:Choice xmlns:a14="http://schemas.microsoft.com/office/drawing/2010/main" Requires="a14">
+      <mc:AlternateContent xmlns:mc="http://schemas.openxmlformats.org/markup-compatibility/2006" xmlns:a14="http://schemas.microsoft.com/office/drawing/2010/main">
+        <mc:Choice Requires="a14">
           <p:sp>
             <p:nvSpPr>
               <p:cNvPr id="33" name="TextBox 32">
@@ -19194,7 +19322,7 @@
             </p:txBody>
           </p:sp>
         </mc:Choice>
-        <mc:Fallback>
+        <mc:Fallback xmlns="">
           <p:sp>
             <p:nvSpPr>
               <p:cNvPr id="33" name="TextBox 32">
@@ -19368,8 +19496,8 @@
           </a:prstGeom>
         </p:spPr>
       </p:pic>
-      <mc:AlternateContent xmlns:mc="http://schemas.openxmlformats.org/markup-compatibility/2006">
-        <mc:Choice xmlns:a14="http://schemas.microsoft.com/office/drawing/2010/main" Requires="a14">
+      <mc:AlternateContent xmlns:mc="http://schemas.openxmlformats.org/markup-compatibility/2006" xmlns:a14="http://schemas.microsoft.com/office/drawing/2010/main">
+        <mc:Choice Requires="a14">
           <p:sp>
             <p:nvSpPr>
               <p:cNvPr id="13" name="TextBox 12">
@@ -19501,7 +19629,7 @@
             </p:txBody>
           </p:sp>
         </mc:Choice>
-        <mc:Fallback>
+        <mc:Fallback xmlns="">
           <p:sp>
             <p:nvSpPr>
               <p:cNvPr id="13" name="TextBox 12">
@@ -19546,8 +19674,8 @@
           </p:sp>
         </mc:Fallback>
       </mc:AlternateContent>
-      <mc:AlternateContent xmlns:mc="http://schemas.openxmlformats.org/markup-compatibility/2006">
-        <mc:Choice xmlns:a14="http://schemas.microsoft.com/office/drawing/2010/main" Requires="a14">
+      <mc:AlternateContent xmlns:mc="http://schemas.openxmlformats.org/markup-compatibility/2006" xmlns:a14="http://schemas.microsoft.com/office/drawing/2010/main">
+        <mc:Choice Requires="a14">
           <p:sp>
             <p:nvSpPr>
               <p:cNvPr id="14" name="TextBox 13">
@@ -19694,7 +19822,7 @@
             </p:txBody>
           </p:sp>
         </mc:Choice>
-        <mc:Fallback>
+        <mc:Fallback xmlns="">
           <p:sp>
             <p:nvSpPr>
               <p:cNvPr id="14" name="TextBox 13">
